--- a/plots/free_energy/ddg_n_correlation_annot.pptx
+++ b/plots/free_energy/ddg_n_correlation_annot.pptx
@@ -107,12 +107,12 @@
   <p:extLst>
     <p:ext uri="{EFAFB233-063F-42B5-8137-9DF3F51BA10A}">
       <p15:sldGuideLst xmlns:p15="http://schemas.microsoft.com/office/powerpoint/2012/main">
-        <p15:guide id="1" orient="horz" pos="346" userDrawn="1">
+        <p15:guide id="1" orient="horz" pos="232" userDrawn="1">
           <p15:clr>
             <a:srgbClr val="A4A3A4"/>
           </p15:clr>
         </p15:guide>
-        <p15:guide id="2" pos="5042" userDrawn="1">
+        <p15:guide id="2" pos="279" userDrawn="1">
           <p15:clr>
             <a:srgbClr val="A4A3A4"/>
           </p15:clr>
@@ -3337,195 +3337,12 @@
           <a:chExt cx="0" cy="0"/>
         </a:xfrm>
       </p:grpSpPr>
-      <p:grpSp>
-        <p:nvGrpSpPr>
-          <p:cNvPr id="11" name="Group 10">
-            <a:extLst>
-              <a:ext uri="{FF2B5EF4-FFF2-40B4-BE49-F238E27FC236}">
-                <a16:creationId xmlns:a16="http://schemas.microsoft.com/office/drawing/2014/main" id="{E18717D7-4120-9679-803C-96066EA3B89B}"/>
-              </a:ext>
-            </a:extLst>
-          </p:cNvPr>
-          <p:cNvGrpSpPr/>
-          <p:nvPr/>
-        </p:nvGrpSpPr>
-        <p:grpSpPr>
-          <a:xfrm>
-            <a:off x="6705600" y="0"/>
-            <a:ext cx="5486400" cy="5486400"/>
-            <a:chOff x="3352800" y="402021"/>
-            <a:chExt cx="5486400" cy="5486400"/>
-          </a:xfrm>
-        </p:grpSpPr>
-        <p:pic>
-          <p:nvPicPr>
-            <p:cNvPr id="7" name="Picture 6">
-              <a:extLst>
-                <a:ext uri="{FF2B5EF4-FFF2-40B4-BE49-F238E27FC236}">
-                  <a16:creationId xmlns:a16="http://schemas.microsoft.com/office/drawing/2014/main" id="{6A7DC451-02DC-7D8A-81B1-480D81A8C133}"/>
-                </a:ext>
-              </a:extLst>
-            </p:cNvPr>
-            <p:cNvPicPr>
-              <a:picLocks noChangeAspect="1"/>
-            </p:cNvPicPr>
-            <p:nvPr/>
-          </p:nvPicPr>
-          <p:blipFill>
-            <a:blip r:embed="rId2"/>
-            <a:stretch>
-              <a:fillRect/>
-            </a:stretch>
-          </p:blipFill>
-          <p:spPr>
-            <a:xfrm>
-              <a:off x="3352800" y="402021"/>
-              <a:ext cx="5486400" cy="5486400"/>
-            </a:xfrm>
-            <a:prstGeom prst="rect">
-              <a:avLst/>
-            </a:prstGeom>
-          </p:spPr>
-        </p:pic>
-        <p:sp>
-          <p:nvSpPr>
-            <p:cNvPr id="8" name="TextBox 7">
-              <a:extLst>
-                <a:ext uri="{FF2B5EF4-FFF2-40B4-BE49-F238E27FC236}">
-                  <a16:creationId xmlns:a16="http://schemas.microsoft.com/office/drawing/2014/main" id="{E6CCE084-BDD1-CD62-B877-AB28CEEB06B3}"/>
-                </a:ext>
-              </a:extLst>
-            </p:cNvPr>
-            <p:cNvSpPr txBox="1"/>
-            <p:nvPr/>
-          </p:nvSpPr>
-          <p:spPr>
-            <a:xfrm>
-              <a:off x="4679205" y="3474720"/>
-              <a:ext cx="415498" cy="369332"/>
-            </a:xfrm>
-            <a:prstGeom prst="rect">
-              <a:avLst/>
-            </a:prstGeom>
-            <a:noFill/>
-          </p:spPr>
-          <p:txBody>
-            <a:bodyPr wrap="none" rtlCol="0">
-              <a:spAutoFit/>
-            </a:bodyPr>
-            <a:lstStyle/>
-            <a:p>
-              <a:r>
-                <a:rPr lang="en-GB" dirty="0">
-                  <a:latin typeface="CMU Serif Roman" panose="02000603000000000000" pitchFamily="2" charset="0"/>
-                  <a:ea typeface="CMU Serif Roman" panose="02000603000000000000" pitchFamily="2" charset="0"/>
-                  <a:cs typeface="CMU Serif Roman" panose="02000603000000000000" pitchFamily="2" charset="0"/>
-                </a:rPr>
-                <a:t>16</a:t>
-              </a:r>
-              <a:endParaRPr lang="en-GB" dirty="0">
-                <a:latin typeface="CMU Serif Roman" panose="02000603000000000000" pitchFamily="2" charset="0"/>
-                <a:ea typeface="CMU Serif Roman" panose="02000603000000000000" pitchFamily="2" charset="0"/>
-                <a:cs typeface="CMU Serif Roman" panose="02000603000000000000" pitchFamily="2" charset="0"/>
-              </a:endParaRPr>
-            </a:p>
-          </p:txBody>
-        </p:sp>
-        <p:sp>
-          <p:nvSpPr>
-            <p:cNvPr id="9" name="TextBox 8">
-              <a:extLst>
-                <a:ext uri="{FF2B5EF4-FFF2-40B4-BE49-F238E27FC236}">
-                  <a16:creationId xmlns:a16="http://schemas.microsoft.com/office/drawing/2014/main" id="{5D3C9C85-E880-F823-2FA2-6F17BB77A6CD}"/>
-                </a:ext>
-              </a:extLst>
-            </p:cNvPr>
-            <p:cNvSpPr txBox="1"/>
-            <p:nvPr/>
-          </p:nvSpPr>
-          <p:spPr>
-            <a:xfrm>
-              <a:off x="5342407" y="3545139"/>
-              <a:ext cx="300082" cy="369332"/>
-            </a:xfrm>
-            <a:prstGeom prst="rect">
-              <a:avLst/>
-            </a:prstGeom>
-            <a:noFill/>
-          </p:spPr>
-          <p:txBody>
-            <a:bodyPr wrap="none" rtlCol="0">
-              <a:spAutoFit/>
-            </a:bodyPr>
-            <a:lstStyle/>
-            <a:p>
-              <a:r>
-                <a:rPr lang="en-GB" dirty="0">
-                  <a:latin typeface="CMU Serif Roman" panose="02000603000000000000" pitchFamily="2" charset="0"/>
-                  <a:ea typeface="CMU Serif Roman" panose="02000603000000000000" pitchFamily="2" charset="0"/>
-                  <a:cs typeface="CMU Serif Roman" panose="02000603000000000000" pitchFamily="2" charset="0"/>
-                </a:rPr>
-                <a:t>9</a:t>
-              </a:r>
-              <a:endParaRPr lang="en-GB" dirty="0">
-                <a:latin typeface="CMU Serif Roman" panose="02000603000000000000" pitchFamily="2" charset="0"/>
-                <a:ea typeface="CMU Serif Roman" panose="02000603000000000000" pitchFamily="2" charset="0"/>
-                <a:cs typeface="CMU Serif Roman" panose="02000603000000000000" pitchFamily="2" charset="0"/>
-              </a:endParaRPr>
-            </a:p>
-          </p:txBody>
-        </p:sp>
-        <p:sp>
-          <p:nvSpPr>
-            <p:cNvPr id="10" name="TextBox 9">
-              <a:extLst>
-                <a:ext uri="{FF2B5EF4-FFF2-40B4-BE49-F238E27FC236}">
-                  <a16:creationId xmlns:a16="http://schemas.microsoft.com/office/drawing/2014/main" id="{8810CE03-B14D-4898-99A2-ACDA14F5B0B5}"/>
-                </a:ext>
-              </a:extLst>
-            </p:cNvPr>
-            <p:cNvSpPr txBox="1"/>
-            <p:nvPr/>
-          </p:nvSpPr>
-          <p:spPr>
-            <a:xfrm>
-              <a:off x="5888251" y="2182999"/>
-              <a:ext cx="415498" cy="369332"/>
-            </a:xfrm>
-            <a:prstGeom prst="rect">
-              <a:avLst/>
-            </a:prstGeom>
-            <a:noFill/>
-          </p:spPr>
-          <p:txBody>
-            <a:bodyPr wrap="none" rtlCol="0">
-              <a:spAutoFit/>
-            </a:bodyPr>
-            <a:lstStyle/>
-            <a:p>
-              <a:r>
-                <a:rPr lang="en-GB" dirty="0">
-                  <a:latin typeface="CMU Serif Roman" panose="02000603000000000000" pitchFamily="2" charset="0"/>
-                  <a:ea typeface="CMU Serif Roman" panose="02000603000000000000" pitchFamily="2" charset="0"/>
-                  <a:cs typeface="CMU Serif Roman" panose="02000603000000000000" pitchFamily="2" charset="0"/>
-                </a:rPr>
-                <a:t>13</a:t>
-              </a:r>
-              <a:endParaRPr lang="en-GB" dirty="0">
-                <a:latin typeface="CMU Serif Roman" panose="02000603000000000000" pitchFamily="2" charset="0"/>
-                <a:ea typeface="CMU Serif Roman" panose="02000603000000000000" pitchFamily="2" charset="0"/>
-                <a:cs typeface="CMU Serif Roman" panose="02000603000000000000" pitchFamily="2" charset="0"/>
-              </a:endParaRPr>
-            </a:p>
-          </p:txBody>
-        </p:sp>
-      </p:grpSp>
       <p:pic>
         <p:nvPicPr>
-          <p:cNvPr id="13" name="Picture 12">
-            <a:extLst>
-              <a:ext uri="{FF2B5EF4-FFF2-40B4-BE49-F238E27FC236}">
-                <a16:creationId xmlns:a16="http://schemas.microsoft.com/office/drawing/2014/main" id="{F5044CD5-CF38-1621-D5DE-40403616D8EF}"/>
+          <p:cNvPr id="28" name="Picture 27">
+            <a:extLst>
+              <a:ext uri="{FF2B5EF4-FFF2-40B4-BE49-F238E27FC236}">
+                <a16:creationId xmlns:a16="http://schemas.microsoft.com/office/drawing/2014/main" id="{DCD954CA-ED96-56B2-047B-B99FE0DD00FF}"/>
               </a:ext>
             </a:extLst>
           </p:cNvPr>
@@ -3534,27 +3351,58 @@
           </p:cNvPicPr>
           <p:nvPr/>
         </p:nvPicPr>
-        <p:blipFill rotWithShape="1">
-          <a:blip r:embed="rId3"/>
-          <a:srcRect b="1217"/>
-          <a:stretch/>
+        <p:blipFill>
+          <a:blip r:embed="rId2"/>
+          <a:stretch>
+            <a:fillRect/>
+          </a:stretch>
         </p:blipFill>
         <p:spPr>
           <a:xfrm>
-            <a:off x="67794" y="83450"/>
-            <a:ext cx="6858000" cy="6774550"/>
+            <a:off x="6096000" y="58595"/>
+            <a:ext cx="6028207" cy="6028207"/>
           </a:xfrm>
           <a:prstGeom prst="rect">
             <a:avLst/>
           </a:prstGeom>
         </p:spPr>
       </p:pic>
-      <p:sp>
-        <p:nvSpPr>
-          <p:cNvPr id="14" name="TextBox 13">
-            <a:extLst>
-              <a:ext uri="{FF2B5EF4-FFF2-40B4-BE49-F238E27FC236}">
-                <a16:creationId xmlns:a16="http://schemas.microsoft.com/office/drawing/2014/main" id="{A0426D4E-FACB-97C7-104E-5B490276C387}"/>
+      <p:pic>
+        <p:nvPicPr>
+          <p:cNvPr id="30" name="Picture 29">
+            <a:extLst>
+              <a:ext uri="{FF2B5EF4-FFF2-40B4-BE49-F238E27FC236}">
+                <a16:creationId xmlns:a16="http://schemas.microsoft.com/office/drawing/2014/main" id="{480B448E-4276-D410-294C-552003131C92}"/>
+              </a:ext>
+            </a:extLst>
+          </p:cNvPr>
+          <p:cNvPicPr>
+            <a:picLocks noChangeAspect="1"/>
+          </p:cNvPicPr>
+          <p:nvPr/>
+        </p:nvPicPr>
+        <p:blipFill>
+          <a:blip r:embed="rId3"/>
+          <a:stretch>
+            <a:fillRect/>
+          </a:stretch>
+        </p:blipFill>
+        <p:spPr>
+          <a:xfrm>
+            <a:off x="0" y="-1"/>
+            <a:ext cx="6028207" cy="6028207"/>
+          </a:xfrm>
+          <a:prstGeom prst="rect">
+            <a:avLst/>
+          </a:prstGeom>
+        </p:spPr>
+      </p:pic>
+      <p:sp>
+        <p:nvSpPr>
+          <p:cNvPr id="8" name="TextBox 7">
+            <a:extLst>
+              <a:ext uri="{FF2B5EF4-FFF2-40B4-BE49-F238E27FC236}">
+                <a16:creationId xmlns:a16="http://schemas.microsoft.com/office/drawing/2014/main" id="{E6CCE084-BDD1-CD62-B877-AB28CEEB06B3}"/>
               </a:ext>
             </a:extLst>
           </p:cNvPr>
@@ -3563,7 +3411,176 @@
         </p:nvSpPr>
         <p:spPr>
           <a:xfrm>
-            <a:off x="1271588" y="287665"/>
+            <a:off x="7218505" y="3652870"/>
+            <a:ext cx="415498" cy="369332"/>
+          </a:xfrm>
+          <a:prstGeom prst="rect">
+            <a:avLst/>
+          </a:prstGeom>
+          <a:noFill/>
+        </p:spPr>
+        <p:txBody>
+          <a:bodyPr wrap="none" rtlCol="0">
+            <a:spAutoFit/>
+          </a:bodyPr>
+          <a:lstStyle/>
+          <a:p>
+            <a:r>
+              <a:rPr lang="en-GB" dirty="0">
+                <a:latin typeface="CMU Serif Roman" panose="02000603000000000000" pitchFamily="2" charset="0"/>
+                <a:ea typeface="CMU Serif Roman" panose="02000603000000000000" pitchFamily="2" charset="0"/>
+                <a:cs typeface="CMU Serif Roman" panose="02000603000000000000" pitchFamily="2" charset="0"/>
+              </a:rPr>
+              <a:t>16</a:t>
+            </a:r>
+            <a:endParaRPr lang="en-GB" dirty="0">
+              <a:latin typeface="CMU Serif Roman" panose="02000603000000000000" pitchFamily="2" charset="0"/>
+              <a:ea typeface="CMU Serif Roman" panose="02000603000000000000" pitchFamily="2" charset="0"/>
+              <a:cs typeface="CMU Serif Roman" panose="02000603000000000000" pitchFamily="2" charset="0"/>
+            </a:endParaRPr>
+          </a:p>
+        </p:txBody>
+      </p:sp>
+      <p:sp>
+        <p:nvSpPr>
+          <p:cNvPr id="9" name="TextBox 8">
+            <a:extLst>
+              <a:ext uri="{FF2B5EF4-FFF2-40B4-BE49-F238E27FC236}">
+                <a16:creationId xmlns:a16="http://schemas.microsoft.com/office/drawing/2014/main" id="{5D3C9C85-E880-F823-2FA2-6F17BB77A6CD}"/>
+              </a:ext>
+            </a:extLst>
+          </p:cNvPr>
+          <p:cNvSpPr txBox="1"/>
+          <p:nvPr/>
+        </p:nvSpPr>
+        <p:spPr>
+          <a:xfrm>
+            <a:off x="8026749" y="3729595"/>
+            <a:ext cx="300082" cy="369332"/>
+          </a:xfrm>
+          <a:prstGeom prst="rect">
+            <a:avLst/>
+          </a:prstGeom>
+          <a:noFill/>
+        </p:spPr>
+        <p:txBody>
+          <a:bodyPr wrap="none" rtlCol="0">
+            <a:spAutoFit/>
+          </a:bodyPr>
+          <a:lstStyle/>
+          <a:p>
+            <a:r>
+              <a:rPr lang="en-GB" dirty="0">
+                <a:latin typeface="CMU Serif Roman" panose="02000603000000000000" pitchFamily="2" charset="0"/>
+                <a:ea typeface="CMU Serif Roman" panose="02000603000000000000" pitchFamily="2" charset="0"/>
+                <a:cs typeface="CMU Serif Roman" panose="02000603000000000000" pitchFamily="2" charset="0"/>
+              </a:rPr>
+              <a:t>9</a:t>
+            </a:r>
+            <a:endParaRPr lang="en-GB" dirty="0">
+              <a:latin typeface="CMU Serif Roman" panose="02000603000000000000" pitchFamily="2" charset="0"/>
+              <a:ea typeface="CMU Serif Roman" panose="02000603000000000000" pitchFamily="2" charset="0"/>
+              <a:cs typeface="CMU Serif Roman" panose="02000603000000000000" pitchFamily="2" charset="0"/>
+            </a:endParaRPr>
+          </a:p>
+        </p:txBody>
+      </p:sp>
+      <p:sp>
+        <p:nvSpPr>
+          <p:cNvPr id="10" name="TextBox 9">
+            <a:extLst>
+              <a:ext uri="{FF2B5EF4-FFF2-40B4-BE49-F238E27FC236}">
+                <a16:creationId xmlns:a16="http://schemas.microsoft.com/office/drawing/2014/main" id="{8810CE03-B14D-4898-99A2-ACDA14F5B0B5}"/>
+              </a:ext>
+            </a:extLst>
+          </p:cNvPr>
+          <p:cNvSpPr txBox="1"/>
+          <p:nvPr/>
+        </p:nvSpPr>
+        <p:spPr>
+          <a:xfrm>
+            <a:off x="8694605" y="2102595"/>
+            <a:ext cx="415498" cy="369332"/>
+          </a:xfrm>
+          <a:prstGeom prst="rect">
+            <a:avLst/>
+          </a:prstGeom>
+          <a:noFill/>
+        </p:spPr>
+        <p:txBody>
+          <a:bodyPr wrap="none" rtlCol="0">
+            <a:spAutoFit/>
+          </a:bodyPr>
+          <a:lstStyle/>
+          <a:p>
+            <a:r>
+              <a:rPr lang="en-GB" dirty="0">
+                <a:latin typeface="CMU Serif Roman" panose="02000603000000000000" pitchFamily="2" charset="0"/>
+                <a:ea typeface="CMU Serif Roman" panose="02000603000000000000" pitchFamily="2" charset="0"/>
+                <a:cs typeface="CMU Serif Roman" panose="02000603000000000000" pitchFamily="2" charset="0"/>
+              </a:rPr>
+              <a:t>13</a:t>
+            </a:r>
+            <a:endParaRPr lang="en-GB" dirty="0">
+              <a:latin typeface="CMU Serif Roman" panose="02000603000000000000" pitchFamily="2" charset="0"/>
+              <a:ea typeface="CMU Serif Roman" panose="02000603000000000000" pitchFamily="2" charset="0"/>
+              <a:cs typeface="CMU Serif Roman" panose="02000603000000000000" pitchFamily="2" charset="0"/>
+            </a:endParaRPr>
+          </a:p>
+        </p:txBody>
+      </p:sp>
+      <p:sp>
+        <p:nvSpPr>
+          <p:cNvPr id="15" name="TextBox 14">
+            <a:extLst>
+              <a:ext uri="{FF2B5EF4-FFF2-40B4-BE49-F238E27FC236}">
+                <a16:creationId xmlns:a16="http://schemas.microsoft.com/office/drawing/2014/main" id="{F99CD76A-881B-609C-4A8F-14EC6E2A7A4C}"/>
+              </a:ext>
+            </a:extLst>
+          </p:cNvPr>
+          <p:cNvSpPr txBox="1"/>
+          <p:nvPr/>
+        </p:nvSpPr>
+        <p:spPr>
+          <a:xfrm>
+            <a:off x="6362174" y="186237"/>
+            <a:ext cx="404278" cy="523220"/>
+          </a:xfrm>
+          <a:prstGeom prst="rect">
+            <a:avLst/>
+          </a:prstGeom>
+          <a:noFill/>
+        </p:spPr>
+        <p:txBody>
+          <a:bodyPr wrap="none" rtlCol="0">
+            <a:spAutoFit/>
+          </a:bodyPr>
+          <a:lstStyle/>
+          <a:p>
+            <a:r>
+              <a:rPr lang="en-GB" sz="2800" b="1" dirty="0">
+                <a:latin typeface="Helvetica" pitchFamily="2" charset="0"/>
+              </a:rPr>
+              <a:t>b</a:t>
+            </a:r>
+          </a:p>
+        </p:txBody>
+      </p:sp>
+      <p:sp>
+        <p:nvSpPr>
+          <p:cNvPr id="14" name="TextBox 13">
+            <a:extLst>
+              <a:ext uri="{FF2B5EF4-FFF2-40B4-BE49-F238E27FC236}">
+                <a16:creationId xmlns:a16="http://schemas.microsoft.com/office/drawing/2014/main" id="{A0426D4E-FACB-97C7-104E-5B490276C387}"/>
+              </a:ext>
+            </a:extLst>
+          </p:cNvPr>
+          <p:cNvSpPr txBox="1"/>
+          <p:nvPr/>
+        </p:nvSpPr>
+        <p:spPr>
+          <a:xfrm>
+            <a:off x="250392" y="186237"/>
             <a:ext cx="385042" cy="523220"/>
           </a:xfrm>
           <a:prstGeom prst="rect">
@@ -3582,43 +3599,6 @@
                 <a:latin typeface="Helvetica" pitchFamily="2" charset="0"/>
               </a:rPr>
               <a:t>a</a:t>
-            </a:r>
-          </a:p>
-        </p:txBody>
-      </p:sp>
-      <p:sp>
-        <p:nvSpPr>
-          <p:cNvPr id="15" name="TextBox 14">
-            <a:extLst>
-              <a:ext uri="{FF2B5EF4-FFF2-40B4-BE49-F238E27FC236}">
-                <a16:creationId xmlns:a16="http://schemas.microsoft.com/office/drawing/2014/main" id="{F99CD76A-881B-609C-4A8F-14EC6E2A7A4C}"/>
-              </a:ext>
-            </a:extLst>
-          </p:cNvPr>
-          <p:cNvSpPr txBox="1"/>
-          <p:nvPr/>
-        </p:nvSpPr>
-        <p:spPr>
-          <a:xfrm>
-            <a:off x="8018561" y="287665"/>
-            <a:ext cx="404278" cy="523220"/>
-          </a:xfrm>
-          <a:prstGeom prst="rect">
-            <a:avLst/>
-          </a:prstGeom>
-          <a:noFill/>
-        </p:spPr>
-        <p:txBody>
-          <a:bodyPr wrap="none" rtlCol="0">
-            <a:spAutoFit/>
-          </a:bodyPr>
-          <a:lstStyle/>
-          <a:p>
-            <a:r>
-              <a:rPr lang="en-GB" sz="2800" b="1" dirty="0">
-                <a:latin typeface="Helvetica" pitchFamily="2" charset="0"/>
-              </a:rPr>
-              <a:t>b</a:t>
             </a:r>
           </a:p>
         </p:txBody>

--- a/plots/free_energy/ddg_n_correlation_annot.pptx
+++ b/plots/free_energy/ddg_n_correlation_annot.pptx
@@ -107,7 +107,7 @@
   <p:extLst>
     <p:ext uri="{EFAFB233-063F-42B5-8137-9DF3F51BA10A}">
       <p15:sldGuideLst xmlns:p15="http://schemas.microsoft.com/office/powerpoint/2012/main">
-        <p15:guide id="1" orient="horz" pos="232" userDrawn="1">
+        <p15:guide id="1" orient="horz" pos="300" userDrawn="1">
           <p15:clr>
             <a:srgbClr val="A4A3A4"/>
           </p15:clr>
@@ -270,7 +270,7 @@
           <a:p>
             <a:fld id="{1308E60A-E092-8944-BEFE-DEF47833D9FB}" type="datetimeFigureOut">
               <a:rPr lang="en-GB" smtClean="0"/>
-              <a:t>04/08/2022</a:t>
+              <a:t>06/08/2022</a:t>
             </a:fld>
             <a:endParaRPr lang="en-GB"/>
           </a:p>
@@ -468,7 +468,7 @@
           <a:p>
             <a:fld id="{1308E60A-E092-8944-BEFE-DEF47833D9FB}" type="datetimeFigureOut">
               <a:rPr lang="en-GB" smtClean="0"/>
-              <a:t>04/08/2022</a:t>
+              <a:t>06/08/2022</a:t>
             </a:fld>
             <a:endParaRPr lang="en-GB"/>
           </a:p>
@@ -676,7 +676,7 @@
           <a:p>
             <a:fld id="{1308E60A-E092-8944-BEFE-DEF47833D9FB}" type="datetimeFigureOut">
               <a:rPr lang="en-GB" smtClean="0"/>
-              <a:t>04/08/2022</a:t>
+              <a:t>06/08/2022</a:t>
             </a:fld>
             <a:endParaRPr lang="en-GB"/>
           </a:p>
@@ -874,7 +874,7 @@
           <a:p>
             <a:fld id="{1308E60A-E092-8944-BEFE-DEF47833D9FB}" type="datetimeFigureOut">
               <a:rPr lang="en-GB" smtClean="0"/>
-              <a:t>04/08/2022</a:t>
+              <a:t>06/08/2022</a:t>
             </a:fld>
             <a:endParaRPr lang="en-GB"/>
           </a:p>
@@ -1149,7 +1149,7 @@
           <a:p>
             <a:fld id="{1308E60A-E092-8944-BEFE-DEF47833D9FB}" type="datetimeFigureOut">
               <a:rPr lang="en-GB" smtClean="0"/>
-              <a:t>04/08/2022</a:t>
+              <a:t>06/08/2022</a:t>
             </a:fld>
             <a:endParaRPr lang="en-GB"/>
           </a:p>
@@ -1414,7 +1414,7 @@
           <a:p>
             <a:fld id="{1308E60A-E092-8944-BEFE-DEF47833D9FB}" type="datetimeFigureOut">
               <a:rPr lang="en-GB" smtClean="0"/>
-              <a:t>04/08/2022</a:t>
+              <a:t>06/08/2022</a:t>
             </a:fld>
             <a:endParaRPr lang="en-GB"/>
           </a:p>
@@ -1826,7 +1826,7 @@
           <a:p>
             <a:fld id="{1308E60A-E092-8944-BEFE-DEF47833D9FB}" type="datetimeFigureOut">
               <a:rPr lang="en-GB" smtClean="0"/>
-              <a:t>04/08/2022</a:t>
+              <a:t>06/08/2022</a:t>
             </a:fld>
             <a:endParaRPr lang="en-GB"/>
           </a:p>
@@ -1967,7 +1967,7 @@
           <a:p>
             <a:fld id="{1308E60A-E092-8944-BEFE-DEF47833D9FB}" type="datetimeFigureOut">
               <a:rPr lang="en-GB" smtClean="0"/>
-              <a:t>04/08/2022</a:t>
+              <a:t>06/08/2022</a:t>
             </a:fld>
             <a:endParaRPr lang="en-GB"/>
           </a:p>
@@ -2080,7 +2080,7 @@
           <a:p>
             <a:fld id="{1308E60A-E092-8944-BEFE-DEF47833D9FB}" type="datetimeFigureOut">
               <a:rPr lang="en-GB" smtClean="0"/>
-              <a:t>04/08/2022</a:t>
+              <a:t>06/08/2022</a:t>
             </a:fld>
             <a:endParaRPr lang="en-GB"/>
           </a:p>
@@ -2391,7 +2391,7 @@
           <a:p>
             <a:fld id="{1308E60A-E092-8944-BEFE-DEF47833D9FB}" type="datetimeFigureOut">
               <a:rPr lang="en-GB" smtClean="0"/>
-              <a:t>04/08/2022</a:t>
+              <a:t>06/08/2022</a:t>
             </a:fld>
             <a:endParaRPr lang="en-GB"/>
           </a:p>
@@ -2679,7 +2679,7 @@
           <a:p>
             <a:fld id="{1308E60A-E092-8944-BEFE-DEF47833D9FB}" type="datetimeFigureOut">
               <a:rPr lang="en-GB" smtClean="0"/>
-              <a:t>04/08/2022</a:t>
+              <a:t>06/08/2022</a:t>
             </a:fld>
             <a:endParaRPr lang="en-GB"/>
           </a:p>
@@ -2920,7 +2920,7 @@
           <a:p>
             <a:fld id="{1308E60A-E092-8944-BEFE-DEF47833D9FB}" type="datetimeFigureOut">
               <a:rPr lang="en-GB" smtClean="0"/>
-              <a:t>04/08/2022</a:t>
+              <a:t>06/08/2022</a:t>
             </a:fld>
             <a:endParaRPr lang="en-GB"/>
           </a:p>
@@ -3339,10 +3339,10 @@
       </p:grpSpPr>
       <p:pic>
         <p:nvPicPr>
-          <p:cNvPr id="28" name="Picture 27">
-            <a:extLst>
-              <a:ext uri="{FF2B5EF4-FFF2-40B4-BE49-F238E27FC236}">
-                <a16:creationId xmlns:a16="http://schemas.microsoft.com/office/drawing/2014/main" id="{DCD954CA-ED96-56B2-047B-B99FE0DD00FF}"/>
+          <p:cNvPr id="7" name="Picture 6">
+            <a:extLst>
+              <a:ext uri="{FF2B5EF4-FFF2-40B4-BE49-F238E27FC236}">
+                <a16:creationId xmlns:a16="http://schemas.microsoft.com/office/drawing/2014/main" id="{05F9D8A4-E5FE-7F54-E79C-521B9615CF52}"/>
               </a:ext>
             </a:extLst>
           </p:cNvPr>
@@ -3359,8 +3359,8 @@
         </p:blipFill>
         <p:spPr>
           <a:xfrm>
-            <a:off x="6096000" y="58595"/>
-            <a:ext cx="6028207" cy="6028207"/>
+            <a:off x="5760349" y="231383"/>
+            <a:ext cx="5402258" cy="5402258"/>
           </a:xfrm>
           <a:prstGeom prst="rect">
             <a:avLst/>
@@ -3369,10 +3369,10 @@
       </p:pic>
       <p:pic>
         <p:nvPicPr>
-          <p:cNvPr id="30" name="Picture 29">
-            <a:extLst>
-              <a:ext uri="{FF2B5EF4-FFF2-40B4-BE49-F238E27FC236}">
-                <a16:creationId xmlns:a16="http://schemas.microsoft.com/office/drawing/2014/main" id="{480B448E-4276-D410-294C-552003131C92}"/>
+          <p:cNvPr id="12" name="Picture 11">
+            <a:extLst>
+              <a:ext uri="{FF2B5EF4-FFF2-40B4-BE49-F238E27FC236}">
+                <a16:creationId xmlns:a16="http://schemas.microsoft.com/office/drawing/2014/main" id="{8D390DFA-91A2-5716-FF59-EF3AD6D5A21D}"/>
               </a:ext>
             </a:extLst>
           </p:cNvPr>
@@ -3389,8 +3389,8 @@
         </p:blipFill>
         <p:spPr>
           <a:xfrm>
-            <a:off x="0" y="-1"/>
-            <a:ext cx="6028207" cy="6028207"/>
+            <a:off x="250392" y="148256"/>
+            <a:ext cx="5402258" cy="5402258"/>
           </a:xfrm>
           <a:prstGeom prst="rect">
             <a:avLst/>
@@ -3411,7 +3411,7 @@
         </p:nvSpPr>
         <p:spPr>
           <a:xfrm>
-            <a:off x="7218505" y="3652870"/>
+            <a:off x="6744679" y="3429000"/>
             <a:ext cx="415498" cy="369332"/>
           </a:xfrm>
           <a:prstGeom prst="rect">
@@ -3433,11 +3433,6 @@
               </a:rPr>
               <a:t>16</a:t>
             </a:r>
-            <a:endParaRPr lang="en-GB" dirty="0">
-              <a:latin typeface="CMU Serif Roman" panose="02000603000000000000" pitchFamily="2" charset="0"/>
-              <a:ea typeface="CMU Serif Roman" panose="02000603000000000000" pitchFamily="2" charset="0"/>
-              <a:cs typeface="CMU Serif Roman" panose="02000603000000000000" pitchFamily="2" charset="0"/>
-            </a:endParaRPr>
           </a:p>
         </p:txBody>
       </p:sp>
@@ -3455,7 +3450,7 @@
         </p:nvSpPr>
         <p:spPr>
           <a:xfrm>
-            <a:off x="8026749" y="3729595"/>
+            <a:off x="7436545" y="3488526"/>
             <a:ext cx="300082" cy="369332"/>
           </a:xfrm>
           <a:prstGeom prst="rect">
@@ -3477,11 +3472,6 @@
               </a:rPr>
               <a:t>9</a:t>
             </a:r>
-            <a:endParaRPr lang="en-GB" dirty="0">
-              <a:latin typeface="CMU Serif Roman" panose="02000603000000000000" pitchFamily="2" charset="0"/>
-              <a:ea typeface="CMU Serif Roman" panose="02000603000000000000" pitchFamily="2" charset="0"/>
-              <a:cs typeface="CMU Serif Roman" panose="02000603000000000000" pitchFamily="2" charset="0"/>
-            </a:endParaRPr>
           </a:p>
         </p:txBody>
       </p:sp>
@@ -3499,7 +3489,7 @@
         </p:nvSpPr>
         <p:spPr>
           <a:xfrm>
-            <a:off x="8694605" y="2102595"/>
+            <a:off x="8045980" y="2010215"/>
             <a:ext cx="415498" cy="369332"/>
           </a:xfrm>
           <a:prstGeom prst="rect">
@@ -3521,11 +3511,6 @@
               </a:rPr>
               <a:t>13</a:t>
             </a:r>
-            <a:endParaRPr lang="en-GB" dirty="0">
-              <a:latin typeface="CMU Serif Roman" panose="02000603000000000000" pitchFamily="2" charset="0"/>
-              <a:ea typeface="CMU Serif Roman" panose="02000603000000000000" pitchFamily="2" charset="0"/>
-              <a:cs typeface="CMU Serif Roman" panose="02000603000000000000" pitchFamily="2" charset="0"/>
-            </a:endParaRPr>
           </a:p>
         </p:txBody>
       </p:sp>
@@ -3543,7 +3528,7 @@
         </p:nvSpPr>
         <p:spPr>
           <a:xfrm>
-            <a:off x="6362174" y="186237"/>
+            <a:off x="6004727" y="186237"/>
             <a:ext cx="404278" cy="523220"/>
           </a:xfrm>
           <a:prstGeom prst="rect">
